--- a/Misc/Design Patterns.pptx
+++ b/Misc/Design Patterns.pptx
@@ -5,7 +5,7 @@
     <p:sldMasterId id="2147483746" r:id="rId1"/>
   </p:sldMasterIdLst>
   <p:notesMasterIdLst>
-    <p:notesMasterId r:id="rId16"/>
+    <p:notesMasterId r:id="rId18"/>
   </p:notesMasterIdLst>
   <p:sldIdLst>
     <p:sldId id="257" r:id="rId2"/>
@@ -13,15 +13,17 @@
     <p:sldId id="264" r:id="rId4"/>
     <p:sldId id="266" r:id="rId5"/>
     <p:sldId id="267" r:id="rId6"/>
-    <p:sldId id="268" r:id="rId7"/>
-    <p:sldId id="269" r:id="rId8"/>
-    <p:sldId id="270" r:id="rId9"/>
-    <p:sldId id="274" r:id="rId10"/>
-    <p:sldId id="273" r:id="rId11"/>
-    <p:sldId id="275" r:id="rId12"/>
-    <p:sldId id="271" r:id="rId13"/>
-    <p:sldId id="276" r:id="rId14"/>
-    <p:sldId id="272" r:id="rId15"/>
+    <p:sldId id="269" r:id="rId7"/>
+    <p:sldId id="270" r:id="rId8"/>
+    <p:sldId id="274" r:id="rId9"/>
+    <p:sldId id="273" r:id="rId10"/>
+    <p:sldId id="275" r:id="rId11"/>
+    <p:sldId id="278" r:id="rId12"/>
+    <p:sldId id="277" r:id="rId13"/>
+    <p:sldId id="271" r:id="rId14"/>
+    <p:sldId id="276" r:id="rId15"/>
+    <p:sldId id="279" r:id="rId16"/>
+    <p:sldId id="281" r:id="rId17"/>
   </p:sldIdLst>
   <p:sldSz cx="12192000" cy="6858000"/>
   <p:notesSz cx="6858000" cy="9144000"/>
@@ -1075,8 +1077,25 @@
                 <a:effectLst/>
                 <a:latin typeface="-apple-system"/>
               </a:rPr>
-              <a:t>design pattern defines an interface for creating an object, but let subclasses decide which class to instantiate. This pattern lets a class defer instantiation to subclasses.</a:t>
-            </a:r>
+              <a:t>design pattern defines an interface for creating an object, but let subclasses decide which class to instantiate. This pattern lets a class defer instantiation to subclasses</a:t>
+            </a:r>
+            <a:r>
+              <a:rPr lang="en-GB" b="0" i="0" dirty="0" smtClean="0">
+                <a:solidFill>
+                  <a:srgbClr val="212529"/>
+                </a:solidFill>
+                <a:effectLst/>
+                <a:latin typeface="-apple-system"/>
+              </a:rPr>
+              <a:t>. Each concreate implementation has it’s own method to create object</a:t>
+            </a:r>
+            <a:endParaRPr lang="en-GB" b="0" i="0" dirty="0">
+              <a:solidFill>
+                <a:srgbClr val="212529"/>
+              </a:solidFill>
+              <a:effectLst/>
+              <a:latin typeface="-apple-system"/>
+            </a:endParaRPr>
           </a:p>
           <a:p>
             <a:r>
@@ -1087,7 +1106,27 @@
                 <a:effectLst/>
                 <a:latin typeface="-apple-system"/>
               </a:rPr>
-              <a:t>Abstract factory – a class has a concrete implementation picked and it has multiple methods to create objects, but it will use that specified implementation</a:t>
+              <a:t>Abstract factory – a class has a concrete implementation picked and it has multiple methods to create objects, but it will use that specified </a:t>
+            </a:r>
+            <a:r>
+              <a:rPr lang="en-GB" b="0" i="0" dirty="0" smtClean="0">
+                <a:solidFill>
+                  <a:srgbClr val="212529"/>
+                </a:solidFill>
+                <a:effectLst/>
+                <a:latin typeface="-apple-system"/>
+              </a:rPr>
+              <a:t>implementation, chair sofa + table</a:t>
+            </a:r>
+            <a:r>
+              <a:rPr lang="en-GB" b="0" i="0" baseline="0" dirty="0" smtClean="0">
+                <a:solidFill>
+                  <a:srgbClr val="212529"/>
+                </a:solidFill>
+                <a:effectLst/>
+                <a:latin typeface="-apple-system"/>
+              </a:rPr>
+              <a:t> in different types art deco, Victorian, modern</a:t>
             </a:r>
             <a:endParaRPr lang="pl-PL" dirty="0"/>
           </a:p>
@@ -1110,7 +1149,7 @@
           <a:p>
             <a:fld id="{9ED0F36C-9216-490E-A6B6-CE3789DA92CA}" type="slidenum">
               <a:rPr lang="pl-PL" smtClean="0"/>
-              <a:t>7</a:t>
+              <a:t>6</a:t>
             </a:fld>
             <a:endParaRPr lang="pl-PL"/>
           </a:p>
@@ -1240,7 +1279,7 @@
           <a:p>
             <a:fld id="{9ED0F36C-9216-490E-A6B6-CE3789DA92CA}" type="slidenum">
               <a:rPr lang="pl-PL" smtClean="0"/>
-              <a:t>8</a:t>
+              <a:t>7</a:t>
             </a:fld>
             <a:endParaRPr lang="pl-PL"/>
           </a:p>
@@ -1394,7 +1433,7 @@
           <a:p>
             <a:fld id="{9ED0F36C-9216-490E-A6B6-CE3789DA92CA}" type="slidenum">
               <a:rPr lang="pl-PL" smtClean="0"/>
-              <a:t>9</a:t>
+              <a:t>8</a:t>
             </a:fld>
             <a:endParaRPr lang="pl-PL"/>
           </a:p>
@@ -1482,7 +1521,7 @@
           <a:p>
             <a:fld id="{9ED0F36C-9216-490E-A6B6-CE3789DA92CA}" type="slidenum">
               <a:rPr lang="pl-PL" smtClean="0"/>
-              <a:t>11</a:t>
+              <a:t>10</a:t>
             </a:fld>
             <a:endParaRPr lang="pl-PL"/>
           </a:p>
@@ -5160,7 +5199,7 @@
                 <a16:creationId xmlns:a16="http://schemas.microsoft.com/office/drawing/2014/main" id="{A9286AD2-18A9-4868-A4E3-7A2097A20810}"/>
               </a:ext>
               <a:ext uri="{C183D7F6-B498-43B3-948B-1728B52AA6E4}">
-                <adec:decorative xmlns:adec="http://schemas.microsoft.com/office/drawing/2017/decorative" val="1"/>
+                <adec:decorative xmlns:adec="http://schemas.microsoft.com/office/drawing/2017/decorative" xmlns="" val="1"/>
               </a:ext>
             </a:extLst>
           </p:cNvPr>
@@ -5332,7 +5371,7 @@
                 <a16:creationId xmlns:a16="http://schemas.microsoft.com/office/drawing/2014/main" id="{E7A7CD63-7EC3-44F3-95D0-595C4019FF24}"/>
               </a:ext>
               <a:ext uri="{C183D7F6-B498-43B3-948B-1728B52AA6E4}">
-                <adec:decorative xmlns:adec="http://schemas.microsoft.com/office/drawing/2017/decorative" val="1"/>
+                <adec:decorative xmlns:adec="http://schemas.microsoft.com/office/drawing/2017/decorative" xmlns="" val="1"/>
               </a:ext>
             </a:extLst>
           </p:cNvPr>
@@ -5411,102 +5450,6 @@
       </p:grpSpPr>
       <p:sp>
         <p:nvSpPr>
-          <p:cNvPr id="2" name="Title 1">
-            <a:extLst>
-              <a:ext uri="{FF2B5EF4-FFF2-40B4-BE49-F238E27FC236}">
-                <a16:creationId xmlns:a16="http://schemas.microsoft.com/office/drawing/2014/main" id="{287D1C8D-4744-4CD8-BC6D-14EBDD09DB8E}"/>
-              </a:ext>
-            </a:extLst>
-          </p:cNvPr>
-          <p:cNvSpPr>
-            <a:spLocks noGrp="1"/>
-          </p:cNvSpPr>
-          <p:nvPr>
-            <p:ph type="title"/>
-          </p:nvPr>
-        </p:nvSpPr>
-        <p:spPr/>
-        <p:txBody>
-          <a:bodyPr/>
-          <a:lstStyle/>
-          <a:p>
-            <a:r>
-              <a:rPr lang="en-GB" dirty="0"/>
-              <a:t>Decorator</a:t>
-            </a:r>
-            <a:endParaRPr lang="pl-PL" dirty="0"/>
-          </a:p>
-        </p:txBody>
-      </p:sp>
-      <p:sp>
-        <p:nvSpPr>
-          <p:cNvPr id="3" name="Text Placeholder 2">
-            <a:extLst>
-              <a:ext uri="{FF2B5EF4-FFF2-40B4-BE49-F238E27FC236}">
-                <a16:creationId xmlns:a16="http://schemas.microsoft.com/office/drawing/2014/main" id="{ABD26ED6-CFD4-4CE3-A62B-1863EBAAB1E6}"/>
-              </a:ext>
-            </a:extLst>
-          </p:cNvPr>
-          <p:cNvSpPr>
-            <a:spLocks noGrp="1"/>
-          </p:cNvSpPr>
-          <p:nvPr>
-            <p:ph type="body" idx="1"/>
-          </p:nvPr>
-        </p:nvSpPr>
-        <p:spPr/>
-        <p:txBody>
-          <a:bodyPr>
-            <a:normAutofit fontScale="92500" lnSpcReduction="10000"/>
-          </a:bodyPr>
-          <a:lstStyle/>
-          <a:p>
-            <a:r>
-              <a:rPr lang="en-GB" b="0" i="0" dirty="0">
-                <a:solidFill>
-                  <a:srgbClr val="212529"/>
-                </a:solidFill>
-                <a:effectLst/>
-                <a:latin typeface="-apple-system"/>
-              </a:rPr>
-              <a:t>attaches additional responsibilities to an object dynamically. This pattern provide a flexible alternative to subclassing for extending functionality.</a:t>
-            </a:r>
-            <a:endParaRPr lang="pl-PL" dirty="0"/>
-          </a:p>
-        </p:txBody>
-      </p:sp>
-    </p:spTree>
-    <p:extLst>
-      <p:ext uri="{BB962C8B-B14F-4D97-AF65-F5344CB8AC3E}">
-        <p14:creationId xmlns:p14="http://schemas.microsoft.com/office/powerpoint/2010/main" val="2864106350"/>
-      </p:ext>
-    </p:extLst>
-  </p:cSld>
-  <p:clrMapOvr>
-    <a:masterClrMapping/>
-  </p:clrMapOvr>
-</p:sld>
-</file>
-
-<file path=ppt/slides/slide11.xml><?xml version="1.0" encoding="utf-8"?>
-<p:sld xmlns:a="http://schemas.openxmlformats.org/drawingml/2006/main" xmlns:r="http://schemas.openxmlformats.org/officeDocument/2006/relationships" xmlns:p="http://schemas.openxmlformats.org/presentationml/2006/main">
-  <p:cSld>
-    <p:spTree>
-      <p:nvGrpSpPr>
-        <p:cNvPr id="1" name=""/>
-        <p:cNvGrpSpPr/>
-        <p:nvPr/>
-      </p:nvGrpSpPr>
-      <p:grpSpPr>
-        <a:xfrm>
-          <a:off x="0" y="0"/>
-          <a:ext cx="0" cy="0"/>
-          <a:chOff x="0" y="0"/>
-          <a:chExt cx="0" cy="0"/>
-        </a:xfrm>
-      </p:grpSpPr>
-      <p:sp>
-        <p:nvSpPr>
           <p:cNvPr id="3" name="Text Placeholder 2">
             <a:extLst>
               <a:ext uri="{FF2B5EF4-FFF2-40B4-BE49-F238E27FC236}">
@@ -5620,6 +5563,82 @@
 </p:sld>
 </file>
 
+<file path=ppt/slides/slide11.xml><?xml version="1.0" encoding="utf-8"?>
+<p:sld xmlns:a="http://schemas.openxmlformats.org/drawingml/2006/main" xmlns:r="http://schemas.openxmlformats.org/officeDocument/2006/relationships" xmlns:p="http://schemas.openxmlformats.org/presentationml/2006/main">
+  <p:cSld>
+    <p:spTree>
+      <p:nvGrpSpPr>
+        <p:cNvPr id="1" name=""/>
+        <p:cNvGrpSpPr/>
+        <p:nvPr/>
+      </p:nvGrpSpPr>
+      <p:grpSpPr>
+        <a:xfrm>
+          <a:off x="0" y="0"/>
+          <a:ext cx="0" cy="0"/>
+          <a:chOff x="0" y="0"/>
+          <a:chExt cx="0" cy="0"/>
+        </a:xfrm>
+      </p:grpSpPr>
+      <p:sp>
+        <p:nvSpPr>
+          <p:cNvPr id="2" name="Title 1"/>
+          <p:cNvSpPr>
+            <a:spLocks noGrp="1"/>
+          </p:cNvSpPr>
+          <p:nvPr>
+            <p:ph type="title"/>
+          </p:nvPr>
+        </p:nvSpPr>
+        <p:spPr/>
+        <p:txBody>
+          <a:bodyPr/>
+          <a:lstStyle/>
+          <a:p>
+            <a:r>
+              <a:rPr lang="en-GB" dirty="0" smtClean="0"/>
+              <a:t>Simple Factory</a:t>
+            </a:r>
+            <a:endParaRPr lang="en-GB" dirty="0"/>
+          </a:p>
+        </p:txBody>
+      </p:sp>
+      <p:sp>
+        <p:nvSpPr>
+          <p:cNvPr id="3" name="Text Placeholder 2"/>
+          <p:cNvSpPr>
+            <a:spLocks noGrp="1"/>
+          </p:cNvSpPr>
+          <p:nvPr>
+            <p:ph type="body" idx="1"/>
+          </p:nvPr>
+        </p:nvSpPr>
+        <p:spPr/>
+        <p:txBody>
+          <a:bodyPr/>
+          <a:lstStyle/>
+          <a:p>
+            <a:r>
+              <a:rPr lang="en-GB" dirty="0" smtClean="0"/>
+              <a:t>Abstracts creation of objects based on given properties</a:t>
+            </a:r>
+            <a:endParaRPr lang="en-GB" dirty="0"/>
+          </a:p>
+        </p:txBody>
+      </p:sp>
+    </p:spTree>
+    <p:extLst>
+      <p:ext uri="{BB962C8B-B14F-4D97-AF65-F5344CB8AC3E}">
+        <p14:creationId xmlns:p14="http://schemas.microsoft.com/office/powerpoint/2010/main" val="1197522917"/>
+      </p:ext>
+    </p:extLst>
+  </p:cSld>
+  <p:clrMapOvr>
+    <a:masterClrMapping/>
+  </p:clrMapOvr>
+</p:sld>
+</file>
+
 <file path=ppt/slides/slide12.xml><?xml version="1.0" encoding="utf-8"?>
 <p:sld xmlns:a="http://schemas.openxmlformats.org/drawingml/2006/main" xmlns:r="http://schemas.openxmlformats.org/officeDocument/2006/relationships" xmlns:p="http://schemas.openxmlformats.org/presentationml/2006/main">
   <p:cSld>
@@ -5639,6 +5658,120 @@
       </p:grpSpPr>
       <p:sp>
         <p:nvSpPr>
+          <p:cNvPr id="2" name="Rectangle 1"/>
+          <p:cNvSpPr/>
+          <p:nvPr/>
+        </p:nvSpPr>
+        <p:spPr>
+          <a:xfrm>
+            <a:off x="1105452" y="2525242"/>
+            <a:ext cx="8567795" cy="1200329"/>
+          </a:xfrm>
+          <a:prstGeom prst="rect">
+            <a:avLst/>
+          </a:prstGeom>
+        </p:spPr>
+        <p:txBody>
+          <a:bodyPr wrap="none">
+            <a:spAutoFit/>
+          </a:bodyPr>
+          <a:lstStyle/>
+          <a:p>
+            <a:r>
+              <a:rPr lang="en-GB" dirty="0">
+                <a:hlinkClick r:id="rId2"/>
+              </a:rPr>
+              <a:t>https://</a:t>
+            </a:r>
+            <a:r>
+              <a:rPr lang="en-GB" dirty="0" smtClean="0">
+                <a:hlinkClick r:id="rId2"/>
+              </a:rPr>
+              <a:t>refactoring.guru/design-patterns</a:t>
+            </a:r>
+            <a:endParaRPr lang="en-GB" dirty="0" smtClean="0"/>
+          </a:p>
+          <a:p>
+            <a:r>
+              <a:rPr lang="en-GB" dirty="0" smtClean="0">
+                <a:hlinkClick r:id="rId3"/>
+              </a:rPr>
+              <a:t>https</a:t>
+            </a:r>
+            <a:r>
+              <a:rPr lang="en-GB" dirty="0">
+                <a:hlinkClick r:id="rId3"/>
+              </a:rPr>
+              <a:t>://</a:t>
+            </a:r>
+            <a:r>
+              <a:rPr lang="en-GB" dirty="0" smtClean="0">
+                <a:hlinkClick r:id="rId3"/>
+              </a:rPr>
+              <a:t>www.dofactory.com/net/design-patterns</a:t>
+            </a:r>
+            <a:endParaRPr lang="en-GB" dirty="0" smtClean="0"/>
+          </a:p>
+          <a:p>
+            <a:r>
+              <a:rPr lang="en-GB" dirty="0">
+                <a:hlinkClick r:id="rId4"/>
+              </a:rPr>
+              <a:t>https://www.c-sharpcorner.com/UploadFile/bd5be5/design-patterns-in-net</a:t>
+            </a:r>
+            <a:r>
+              <a:rPr lang="en-GB" dirty="0" smtClean="0">
+                <a:hlinkClick r:id="rId4"/>
+              </a:rPr>
+              <a:t>/</a:t>
+            </a:r>
+            <a:endParaRPr lang="en-GB" dirty="0" smtClean="0"/>
+          </a:p>
+          <a:p>
+            <a:r>
+              <a:rPr lang="en-GB" dirty="0" smtClean="0"/>
+              <a:t>Head First Design Patterns </a:t>
+            </a:r>
+            <a:r>
+              <a:rPr lang="en-US" dirty="0"/>
+              <a:t>by Eric Freeman, Elisabeth Robson, Bert Bates, Kathy Sierra</a:t>
+            </a:r>
+            <a:endParaRPr lang="en-GB" dirty="0"/>
+          </a:p>
+        </p:txBody>
+      </p:sp>
+    </p:spTree>
+    <p:extLst>
+      <p:ext uri="{BB962C8B-B14F-4D97-AF65-F5344CB8AC3E}">
+        <p14:creationId xmlns:p14="http://schemas.microsoft.com/office/powerpoint/2010/main" val="3440398537"/>
+      </p:ext>
+    </p:extLst>
+  </p:cSld>
+  <p:clrMapOvr>
+    <a:masterClrMapping/>
+  </p:clrMapOvr>
+</p:sld>
+</file>
+
+<file path=ppt/slides/slide13.xml><?xml version="1.0" encoding="utf-8"?>
+<p:sld xmlns:a="http://schemas.openxmlformats.org/drawingml/2006/main" xmlns:r="http://schemas.openxmlformats.org/officeDocument/2006/relationships" xmlns:p="http://schemas.openxmlformats.org/presentationml/2006/main">
+  <p:cSld>
+    <p:spTree>
+      <p:nvGrpSpPr>
+        <p:cNvPr id="1" name=""/>
+        <p:cNvGrpSpPr/>
+        <p:nvPr/>
+      </p:nvGrpSpPr>
+      <p:grpSpPr>
+        <a:xfrm>
+          <a:off x="0" y="0"/>
+          <a:ext cx="0" cy="0"/>
+          <a:chOff x="0" y="0"/>
+          <a:chExt cx="0" cy="0"/>
+        </a:xfrm>
+      </p:grpSpPr>
+      <p:sp>
+        <p:nvSpPr>
           <p:cNvPr id="2" name="Title 1">
             <a:extLst>
               <a:ext uri="{FF2B5EF4-FFF2-40B4-BE49-F238E27FC236}">
@@ -5716,7 +5849,7 @@
 </p:sld>
 </file>
 
-<file path=ppt/slides/slide13.xml><?xml version="1.0" encoding="utf-8"?>
+<file path=ppt/slides/slide14.xml><?xml version="1.0" encoding="utf-8"?>
 <p:sld xmlns:a="http://schemas.openxmlformats.org/drawingml/2006/main" xmlns:r="http://schemas.openxmlformats.org/officeDocument/2006/relationships" xmlns:p="http://schemas.openxmlformats.org/presentationml/2006/main">
   <p:cSld>
     <p:spTree>
@@ -6269,7 +6402,7 @@
 </p:sld>
 </file>
 
-<file path=ppt/slides/slide14.xml><?xml version="1.0" encoding="utf-8"?>
+<file path=ppt/slides/slide15.xml><?xml version="1.0" encoding="utf-8"?>
 <p:sld xmlns:a="http://schemas.openxmlformats.org/drawingml/2006/main" xmlns:r="http://schemas.openxmlformats.org/officeDocument/2006/relationships" xmlns:p="http://schemas.openxmlformats.org/presentationml/2006/main">
   <p:cSld>
     <p:spTree>
@@ -6288,13 +6421,7 @@
       </p:grpSpPr>
       <p:sp>
         <p:nvSpPr>
-          <p:cNvPr id="2" name="Title 1">
-            <a:extLst>
-              <a:ext uri="{FF2B5EF4-FFF2-40B4-BE49-F238E27FC236}">
-                <a16:creationId xmlns:a16="http://schemas.microsoft.com/office/drawing/2014/main" id="{287D1C8D-4744-4CD8-BC6D-14EBDD09DB8E}"/>
-              </a:ext>
-            </a:extLst>
-          </p:cNvPr>
+          <p:cNvPr id="2" name="Title 1"/>
           <p:cNvSpPr>
             <a:spLocks noGrp="1"/>
           </p:cNvSpPr>
@@ -6308,22 +6435,16 @@
           <a:lstStyle/>
           <a:p>
             <a:r>
-              <a:rPr lang="en-GB" dirty="0"/>
+              <a:rPr lang="en-GB" dirty="0" smtClean="0"/>
               <a:t>Mediator</a:t>
             </a:r>
-            <a:endParaRPr lang="pl-PL" dirty="0"/>
-          </a:p>
-        </p:txBody>
-      </p:sp>
-      <p:sp>
-        <p:nvSpPr>
-          <p:cNvPr id="3" name="Text Placeholder 2">
-            <a:extLst>
-              <a:ext uri="{FF2B5EF4-FFF2-40B4-BE49-F238E27FC236}">
-                <a16:creationId xmlns:a16="http://schemas.microsoft.com/office/drawing/2014/main" id="{ABD26ED6-CFD4-4CE3-A62B-1863EBAAB1E6}"/>
-              </a:ext>
-            </a:extLst>
-          </p:cNvPr>
+            <a:endParaRPr lang="en-GB" dirty="0"/>
+          </a:p>
+        </p:txBody>
+      </p:sp>
+      <p:sp>
+        <p:nvSpPr>
+          <p:cNvPr id="3" name="Text Placeholder 2"/>
           <p:cNvSpPr>
             <a:spLocks noGrp="1"/>
           </p:cNvSpPr>
@@ -6339,23 +6460,167 @@
           <a:lstStyle/>
           <a:p>
             <a:r>
-              <a:rPr lang="en-GB" b="0" i="0" dirty="0">
-                <a:solidFill>
-                  <a:srgbClr val="212529"/>
-                </a:solidFill>
-                <a:effectLst/>
-                <a:latin typeface="-apple-system"/>
-              </a:rPr>
-              <a:t>defines an object that encapsulates how a set of objects interact. Mediator promotes loose coupling by keeping objects from referring to each other explicitly, and it lets you vary their interaction independently.</a:t>
-            </a:r>
-            <a:endParaRPr lang="pl-PL" dirty="0"/>
+              <a:rPr lang="en-US" dirty="0"/>
+              <a:t>defines an object that encapsulates how a set of objects interact. Mediator promotes loose coupling by keeping objects from referring to each other explicitly, and it lets you vary their interaction independently</a:t>
+            </a:r>
+            <a:endParaRPr lang="en-GB" dirty="0"/>
           </a:p>
         </p:txBody>
       </p:sp>
     </p:spTree>
     <p:extLst>
       <p:ext uri="{BB962C8B-B14F-4D97-AF65-F5344CB8AC3E}">
-        <p14:creationId xmlns:p14="http://schemas.microsoft.com/office/powerpoint/2010/main" val="114075825"/>
+        <p14:creationId xmlns:p14="http://schemas.microsoft.com/office/powerpoint/2010/main" val="1852669796"/>
+      </p:ext>
+    </p:extLst>
+  </p:cSld>
+  <p:clrMapOvr>
+    <a:masterClrMapping/>
+  </p:clrMapOvr>
+</p:sld>
+</file>
+
+<file path=ppt/slides/slide16.xml><?xml version="1.0" encoding="utf-8"?>
+<p:sld xmlns:a="http://schemas.openxmlformats.org/drawingml/2006/main" xmlns:r="http://schemas.openxmlformats.org/officeDocument/2006/relationships" xmlns:p="http://schemas.openxmlformats.org/presentationml/2006/main">
+  <p:cSld>
+    <p:spTree>
+      <p:nvGrpSpPr>
+        <p:cNvPr id="1" name=""/>
+        <p:cNvGrpSpPr/>
+        <p:nvPr/>
+      </p:nvGrpSpPr>
+      <p:grpSpPr>
+        <a:xfrm>
+          <a:off x="0" y="0"/>
+          <a:ext cx="0" cy="0"/>
+          <a:chOff x="0" y="0"/>
+          <a:chExt cx="0" cy="0"/>
+        </a:xfrm>
+      </p:grpSpPr>
+      <p:pic>
+        <p:nvPicPr>
+          <p:cNvPr id="2" name="Picture 1"/>
+          <p:cNvPicPr>
+            <a:picLocks noChangeAspect="1"/>
+          </p:cNvPicPr>
+          <p:nvPr/>
+        </p:nvPicPr>
+        <p:blipFill>
+          <a:blip r:embed="rId2"/>
+          <a:stretch>
+            <a:fillRect/>
+          </a:stretch>
+        </p:blipFill>
+        <p:spPr>
+          <a:xfrm>
+            <a:off x="1562470" y="275053"/>
+            <a:ext cx="8104632" cy="5736395"/>
+          </a:xfrm>
+          <a:prstGeom prst="rect">
+            <a:avLst/>
+          </a:prstGeom>
+        </p:spPr>
+      </p:pic>
+      <p:pic>
+        <p:nvPicPr>
+          <p:cNvPr id="3" name="Picture 2"/>
+          <p:cNvPicPr>
+            <a:picLocks noChangeAspect="1"/>
+          </p:cNvPicPr>
+          <p:nvPr/>
+        </p:nvPicPr>
+        <p:blipFill>
+          <a:blip r:embed="rId3"/>
+          <a:stretch>
+            <a:fillRect/>
+          </a:stretch>
+        </p:blipFill>
+        <p:spPr>
+          <a:xfrm>
+            <a:off x="1516228" y="216796"/>
+            <a:ext cx="2705478" cy="2172003"/>
+          </a:xfrm>
+          <a:prstGeom prst="rect">
+            <a:avLst/>
+          </a:prstGeom>
+        </p:spPr>
+      </p:pic>
+      <p:pic>
+        <p:nvPicPr>
+          <p:cNvPr id="4" name="Picture 3"/>
+          <p:cNvPicPr>
+            <a:picLocks noChangeAspect="1"/>
+          </p:cNvPicPr>
+          <p:nvPr/>
+        </p:nvPicPr>
+        <p:blipFill>
+          <a:blip r:embed="rId4"/>
+          <a:stretch>
+            <a:fillRect/>
+          </a:stretch>
+        </p:blipFill>
+        <p:spPr>
+          <a:xfrm>
+            <a:off x="1516228" y="2388799"/>
+            <a:ext cx="2705478" cy="3315163"/>
+          </a:xfrm>
+          <a:prstGeom prst="rect">
+            <a:avLst/>
+          </a:prstGeom>
+        </p:spPr>
+      </p:pic>
+      <p:pic>
+        <p:nvPicPr>
+          <p:cNvPr id="5" name="Picture 4"/>
+          <p:cNvPicPr>
+            <a:picLocks noChangeAspect="1"/>
+          </p:cNvPicPr>
+          <p:nvPr/>
+        </p:nvPicPr>
+        <p:blipFill>
+          <a:blip r:embed="rId5"/>
+          <a:stretch>
+            <a:fillRect/>
+          </a:stretch>
+        </p:blipFill>
+        <p:spPr>
+          <a:xfrm>
+            <a:off x="4267948" y="216796"/>
+            <a:ext cx="4782217" cy="1409897"/>
+          </a:xfrm>
+          <a:prstGeom prst="rect">
+            <a:avLst/>
+          </a:prstGeom>
+        </p:spPr>
+      </p:pic>
+      <p:pic>
+        <p:nvPicPr>
+          <p:cNvPr id="6" name="Picture 5"/>
+          <p:cNvPicPr>
+            <a:picLocks noChangeAspect="1"/>
+          </p:cNvPicPr>
+          <p:nvPr/>
+        </p:nvPicPr>
+        <p:blipFill>
+          <a:blip r:embed="rId6"/>
+          <a:stretch>
+            <a:fillRect/>
+          </a:stretch>
+        </p:blipFill>
+        <p:spPr>
+          <a:xfrm>
+            <a:off x="7242955" y="4395019"/>
+            <a:ext cx="2295845" cy="1743318"/>
+          </a:xfrm>
+          <a:prstGeom prst="rect">
+            <a:avLst/>
+          </a:prstGeom>
+        </p:spPr>
+      </p:pic>
+    </p:spTree>
+    <p:extLst>
+      <p:ext uri="{BB962C8B-B14F-4D97-AF65-F5344CB8AC3E}">
+        <p14:creationId xmlns:p14="http://schemas.microsoft.com/office/powerpoint/2010/main" val="518550301"/>
       </p:ext>
     </p:extLst>
   </p:cSld>
@@ -6398,7 +6663,7 @@
                 <a16:creationId xmlns:a16="http://schemas.microsoft.com/office/drawing/2014/main" id="{FBDCECDC-EEE3-4128-AA5E-82A8C08796E8}"/>
               </a:ext>
               <a:ext uri="{C183D7F6-B498-43B3-948B-1728B52AA6E4}">
-                <adec:decorative xmlns:adec="http://schemas.microsoft.com/office/drawing/2017/decorative" val="1"/>
+                <adec:decorative xmlns:adec="http://schemas.microsoft.com/office/drawing/2017/decorative" xmlns="" val="1"/>
               </a:ext>
             </a:extLst>
           </p:cNvPr>
@@ -6506,7 +6771,7 @@
                 <a16:creationId xmlns:a16="http://schemas.microsoft.com/office/drawing/2014/main" id="{4260EDE0-989C-4E16-AF94-F652294D828E}"/>
               </a:ext>
               <a:ext uri="{C183D7F6-B498-43B3-948B-1728B52AA6E4}">
-                <adec:decorative xmlns:adec="http://schemas.microsoft.com/office/drawing/2017/decorative" val="1"/>
+                <adec:decorative xmlns:adec="http://schemas.microsoft.com/office/drawing/2017/decorative" xmlns="" val="1"/>
               </a:ext>
             </a:extLst>
           </p:cNvPr>
@@ -7008,10 +7273,111 @@
           <a:chExt cx="0" cy="0"/>
         </a:xfrm>
       </p:grpSpPr>
+      <p:sp>
+        <p:nvSpPr>
+          <p:cNvPr id="2" name="Title 1">
+            <a:extLst>
+              <a:ext uri="{FF2B5EF4-FFF2-40B4-BE49-F238E27FC236}">
+                <a16:creationId xmlns:a16="http://schemas.microsoft.com/office/drawing/2014/main" id="{1C7BAB12-1141-4A13-9461-0B5675F1B943}"/>
+              </a:ext>
+            </a:extLst>
+          </p:cNvPr>
+          <p:cNvSpPr>
+            <a:spLocks noGrp="1"/>
+          </p:cNvSpPr>
+          <p:nvPr>
+            <p:ph type="title"/>
+          </p:nvPr>
+        </p:nvSpPr>
+        <p:spPr/>
+        <p:txBody>
+          <a:bodyPr/>
+          <a:lstStyle/>
+          <a:p>
+            <a:r>
+              <a:rPr lang="en-GB" dirty="0"/>
+              <a:t>Creational Patterns</a:t>
+            </a:r>
+            <a:endParaRPr lang="pl-PL" dirty="0"/>
+          </a:p>
+        </p:txBody>
+      </p:sp>
+      <p:sp>
+        <p:nvSpPr>
+          <p:cNvPr id="3" name="Content Placeholder 2">
+            <a:extLst>
+              <a:ext uri="{FF2B5EF4-FFF2-40B4-BE49-F238E27FC236}">
+                <a16:creationId xmlns:a16="http://schemas.microsoft.com/office/drawing/2014/main" id="{EF29F63C-39A1-46C3-8063-157ED5BEBA3B}"/>
+              </a:ext>
+            </a:extLst>
+          </p:cNvPr>
+          <p:cNvSpPr>
+            <a:spLocks noGrp="1"/>
+          </p:cNvSpPr>
+          <p:nvPr>
+            <p:ph idx="1"/>
+          </p:nvPr>
+        </p:nvSpPr>
+        <p:spPr/>
+        <p:txBody>
+          <a:bodyPr/>
+          <a:lstStyle/>
+          <a:p>
+            <a:pPr>
+              <a:buFont typeface="Wingdings" panose="05000000000000000000" pitchFamily="2" charset="2"/>
+              <a:buChar char="§"/>
+            </a:pPr>
+            <a:r>
+              <a:rPr lang="en-GB" dirty="0"/>
+              <a:t>Singleton - A class of which only a single instance can exist</a:t>
+            </a:r>
+          </a:p>
+          <a:p>
+            <a:pPr>
+              <a:buFont typeface="Wingdings" panose="05000000000000000000" pitchFamily="2" charset="2"/>
+              <a:buChar char="§"/>
+            </a:pPr>
+            <a:r>
+              <a:rPr lang="en-GB" dirty="0"/>
+              <a:t>Prototype - A fully initialized instance to be copied or cloned</a:t>
+            </a:r>
+          </a:p>
+          <a:p>
+            <a:pPr>
+              <a:buFont typeface="Wingdings" panose="05000000000000000000" pitchFamily="2" charset="2"/>
+              <a:buChar char="§"/>
+            </a:pPr>
+            <a:r>
+              <a:rPr lang="en-GB" dirty="0"/>
+              <a:t>Builder - Separates object construction from its representation</a:t>
+            </a:r>
+          </a:p>
+          <a:p>
+            <a:pPr>
+              <a:buFont typeface="Wingdings" panose="05000000000000000000" pitchFamily="2" charset="2"/>
+              <a:buChar char="§"/>
+            </a:pPr>
+            <a:r>
+              <a:rPr lang="en-GB" dirty="0"/>
+              <a:t>Factory Method - Creates an instance of several derived classes</a:t>
+            </a:r>
+          </a:p>
+          <a:p>
+            <a:pPr>
+              <a:buFont typeface="Wingdings" panose="05000000000000000000" pitchFamily="2" charset="2"/>
+              <a:buChar char="§"/>
+            </a:pPr>
+            <a:r>
+              <a:rPr lang="en-GB" dirty="0"/>
+              <a:t>Abstract Factory - Creates an instance of several families of classes</a:t>
+            </a:r>
+          </a:p>
+        </p:txBody>
+      </p:sp>
     </p:spTree>
     <p:extLst>
       <p:ext uri="{BB962C8B-B14F-4D97-AF65-F5344CB8AC3E}">
-        <p14:creationId xmlns:p14="http://schemas.microsoft.com/office/powerpoint/2010/main" val="3834713947"/>
+        <p14:creationId xmlns:p14="http://schemas.microsoft.com/office/powerpoint/2010/main" val="728533170"/>
       </p:ext>
     </p:extLst>
   </p:cSld>
@@ -7061,7 +7427,7 @@
           <a:p>
             <a:r>
               <a:rPr lang="en-GB" dirty="0"/>
-              <a:t>Creational Patterns</a:t>
+              <a:t>Structural Patterns</a:t>
             </a:r>
             <a:endParaRPr lang="pl-PL" dirty="0"/>
           </a:p>
@@ -7085,7 +7451,9 @@
         </p:nvSpPr>
         <p:spPr/>
         <p:txBody>
-          <a:bodyPr/>
+          <a:bodyPr>
+            <a:normAutofit/>
+          </a:bodyPr>
           <a:lstStyle/>
           <a:p>
             <a:pPr>
@@ -7094,7 +7462,7 @@
             </a:pPr>
             <a:r>
               <a:rPr lang="en-GB" dirty="0"/>
-              <a:t>Singleton - A class of which only a single instance can exist</a:t>
+              <a:t>Adapter - Match interfaces of different classes – map methods</a:t>
             </a:r>
           </a:p>
           <a:p>
@@ -7104,7 +7472,7 @@
             </a:pPr>
             <a:r>
               <a:rPr lang="en-GB" dirty="0"/>
-              <a:t>Prototype - A fully initialized instance to be copied or cloned</a:t>
+              <a:t>Bridge - Separates an object’s interface from its implementation</a:t>
             </a:r>
           </a:p>
           <a:p>
@@ -7114,7 +7482,7 @@
             </a:pPr>
             <a:r>
               <a:rPr lang="en-GB" dirty="0"/>
-              <a:t>Builder - Separates object construction from its representation</a:t>
+              <a:t>Facade - A single class that represents an entire subsystem</a:t>
             </a:r>
           </a:p>
           <a:p>
@@ -7124,7 +7492,7 @@
             </a:pPr>
             <a:r>
               <a:rPr lang="en-GB" dirty="0"/>
-              <a:t>Factory Method - Creates an instance of several derived classes</a:t>
+              <a:t>Proxy - An object representing another object</a:t>
             </a:r>
           </a:p>
           <a:p>
@@ -7134,7 +7502,27 @@
             </a:pPr>
             <a:r>
               <a:rPr lang="en-GB" dirty="0"/>
-              <a:t>Abstract Factory - Creates an instance of several families of classes</a:t>
+              <a:t>Composite - A tree structure of simple and composite objects</a:t>
+            </a:r>
+          </a:p>
+          <a:p>
+            <a:pPr>
+              <a:buFont typeface="Wingdings" panose="05000000000000000000" pitchFamily="2" charset="2"/>
+              <a:buChar char="§"/>
+            </a:pPr>
+            <a:r>
+              <a:rPr lang="en-GB" dirty="0"/>
+              <a:t>Decorator - Add responsibilities to objects dynamically</a:t>
+            </a:r>
+          </a:p>
+          <a:p>
+            <a:pPr>
+              <a:buFont typeface="Wingdings" panose="05000000000000000000" pitchFamily="2" charset="2"/>
+              <a:buChar char="§"/>
+            </a:pPr>
+            <a:r>
+              <a:rPr lang="en-GB" dirty="0"/>
+              <a:t>Flyweight - A set of reusable fine-grained instances used for efficient sharing</a:t>
             </a:r>
           </a:p>
         </p:txBody>
@@ -7142,7 +7530,7 @@
     </p:spTree>
     <p:extLst>
       <p:ext uri="{BB962C8B-B14F-4D97-AF65-F5344CB8AC3E}">
-        <p14:creationId xmlns:p14="http://schemas.microsoft.com/office/powerpoint/2010/main" val="728533170"/>
+        <p14:creationId xmlns:p14="http://schemas.microsoft.com/office/powerpoint/2010/main" val="3602523054"/>
       </p:ext>
     </p:extLst>
   </p:cSld>
@@ -7192,7 +7580,7 @@
           <a:p>
             <a:r>
               <a:rPr lang="en-GB" dirty="0"/>
-              <a:t>Structural Patterns</a:t>
+              <a:t>Behavioural Patterns</a:t>
             </a:r>
             <a:endParaRPr lang="pl-PL" dirty="0"/>
           </a:p>
@@ -7217,7 +7605,7 @@
         <p:spPr/>
         <p:txBody>
           <a:bodyPr>
-            <a:normAutofit/>
+            <a:normAutofit fontScale="62500" lnSpcReduction="20000"/>
           </a:bodyPr>
           <a:lstStyle/>
           <a:p>
@@ -7227,7 +7615,7 @@
             </a:pPr>
             <a:r>
               <a:rPr lang="en-GB" dirty="0"/>
-              <a:t>Adapter - Match interfaces of different classes – map methods</a:t>
+              <a:t>Chain of Resp. - A way of passing a request between a chain of objects</a:t>
             </a:r>
           </a:p>
           <a:p>
@@ -7237,7 +7625,7 @@
             </a:pPr>
             <a:r>
               <a:rPr lang="en-GB" dirty="0"/>
-              <a:t>Bridge - Separates an object’s interface from its implementation</a:t>
+              <a:t>Command - Encapsulate a command request as an object</a:t>
             </a:r>
           </a:p>
           <a:p>
@@ -7247,7 +7635,7 @@
             </a:pPr>
             <a:r>
               <a:rPr lang="en-GB" dirty="0"/>
-              <a:t>Facade - A single class that represents an entire subsystem</a:t>
+              <a:t>Interpreter - A way to include language elements in a program</a:t>
             </a:r>
           </a:p>
           <a:p>
@@ -7257,7 +7645,7 @@
             </a:pPr>
             <a:r>
               <a:rPr lang="en-GB" dirty="0"/>
-              <a:t>Proxy - An object representing another object</a:t>
+              <a:t>Iterator - Sequentially access the elements of a collection</a:t>
             </a:r>
           </a:p>
           <a:p>
@@ -7267,7 +7655,7 @@
             </a:pPr>
             <a:r>
               <a:rPr lang="en-GB" dirty="0"/>
-              <a:t>Composite - A tree structure of simple and composite objects</a:t>
+              <a:t>Mediator - Defines simplified communication between classes</a:t>
             </a:r>
           </a:p>
           <a:p>
@@ -7277,7 +7665,7 @@
             </a:pPr>
             <a:r>
               <a:rPr lang="en-GB" dirty="0"/>
-              <a:t>Decorator - Add responsibilities to objects dynamically</a:t>
+              <a:t>Memento - Capture and restore an object's internal state</a:t>
             </a:r>
           </a:p>
           <a:p>
@@ -7287,7 +7675,47 @@
             </a:pPr>
             <a:r>
               <a:rPr lang="en-GB" dirty="0"/>
-              <a:t>Flyweight - A set of reusable fine-grained instances used for efficient sharing</a:t>
+              <a:t>Observer - A way of notifying change to a number of classes</a:t>
+            </a:r>
+          </a:p>
+          <a:p>
+            <a:pPr>
+              <a:buFont typeface="Wingdings" panose="05000000000000000000" pitchFamily="2" charset="2"/>
+              <a:buChar char="§"/>
+            </a:pPr>
+            <a:r>
+              <a:rPr lang="en-GB" dirty="0"/>
+              <a:t>State - Alter an object's behaviour when its state changes</a:t>
+            </a:r>
+          </a:p>
+          <a:p>
+            <a:pPr>
+              <a:buFont typeface="Wingdings" panose="05000000000000000000" pitchFamily="2" charset="2"/>
+              <a:buChar char="§"/>
+            </a:pPr>
+            <a:r>
+              <a:rPr lang="en-GB" dirty="0"/>
+              <a:t>Strategy - Encapsulates an algorithm inside a class</a:t>
+            </a:r>
+          </a:p>
+          <a:p>
+            <a:pPr>
+              <a:buFont typeface="Wingdings" panose="05000000000000000000" pitchFamily="2" charset="2"/>
+              <a:buChar char="§"/>
+            </a:pPr>
+            <a:r>
+              <a:rPr lang="en-GB" dirty="0"/>
+              <a:t>Template Method - Defer the exact steps of an algorithm to a subclass</a:t>
+            </a:r>
+          </a:p>
+          <a:p>
+            <a:pPr>
+              <a:buFont typeface="Wingdings" panose="05000000000000000000" pitchFamily="2" charset="2"/>
+              <a:buChar char="§"/>
+            </a:pPr>
+            <a:r>
+              <a:rPr lang="en-GB" dirty="0"/>
+              <a:t>Visitor - Defines a new operation to a class without change</a:t>
             </a:r>
           </a:p>
         </p:txBody>
@@ -7295,7 +7723,7 @@
     </p:spTree>
     <p:extLst>
       <p:ext uri="{BB962C8B-B14F-4D97-AF65-F5344CB8AC3E}">
-        <p14:creationId xmlns:p14="http://schemas.microsoft.com/office/powerpoint/2010/main" val="3602523054"/>
+        <p14:creationId xmlns:p14="http://schemas.microsoft.com/office/powerpoint/2010/main" val="1543377906"/>
       </p:ext>
     </p:extLst>
   </p:cSld>
@@ -7327,7 +7755,7 @@
           <p:cNvPr id="2" name="Title 1">
             <a:extLst>
               <a:ext uri="{FF2B5EF4-FFF2-40B4-BE49-F238E27FC236}">
-                <a16:creationId xmlns:a16="http://schemas.microsoft.com/office/drawing/2014/main" id="{1C7BAB12-1141-4A13-9461-0B5675F1B943}"/>
+                <a16:creationId xmlns:a16="http://schemas.microsoft.com/office/drawing/2014/main" id="{287D1C8D-4744-4CD8-BC6D-14EBDD09DB8E}"/>
               </a:ext>
             </a:extLst>
           </p:cNvPr>
@@ -7345,7 +7773,7 @@
           <a:p>
             <a:r>
               <a:rPr lang="en-GB" dirty="0"/>
-              <a:t>Behavioural Patterns</a:t>
+              <a:t>Decorator</a:t>
             </a:r>
             <a:endParaRPr lang="pl-PL" dirty="0"/>
           </a:p>
@@ -7353,10 +7781,10 @@
       </p:sp>
       <p:sp>
         <p:nvSpPr>
-          <p:cNvPr id="3" name="Content Placeholder 2">
+          <p:cNvPr id="3" name="Text Placeholder 2">
             <a:extLst>
               <a:ext uri="{FF2B5EF4-FFF2-40B4-BE49-F238E27FC236}">
-                <a16:creationId xmlns:a16="http://schemas.microsoft.com/office/drawing/2014/main" id="{EF29F63C-39A1-46C3-8063-157ED5BEBA3B}"/>
+                <a16:creationId xmlns:a16="http://schemas.microsoft.com/office/drawing/2014/main" id="{ABD26ED6-CFD4-4CE3-A62B-1863EBAAB1E6}"/>
               </a:ext>
             </a:extLst>
           </p:cNvPr>
@@ -7364,131 +7792,34 @@
             <a:spLocks noGrp="1"/>
           </p:cNvSpPr>
           <p:nvPr>
-            <p:ph idx="1"/>
+            <p:ph type="body" idx="1"/>
           </p:nvPr>
         </p:nvSpPr>
         <p:spPr/>
         <p:txBody>
           <a:bodyPr>
-            <a:normAutofit fontScale="62500" lnSpcReduction="20000"/>
+            <a:normAutofit fontScale="85000" lnSpcReduction="10000"/>
           </a:bodyPr>
           <a:lstStyle/>
           <a:p>
-            <a:pPr>
-              <a:buFont typeface="Wingdings" panose="05000000000000000000" pitchFamily="2" charset="2"/>
-              <a:buChar char="§"/>
-            </a:pPr>
-            <a:r>
-              <a:rPr lang="en-GB" dirty="0"/>
-              <a:t>Chain of Resp. - A way of passing a request between a chain of objects</a:t>
-            </a:r>
-          </a:p>
-          <a:p>
-            <a:pPr>
-              <a:buFont typeface="Wingdings" panose="05000000000000000000" pitchFamily="2" charset="2"/>
-              <a:buChar char="§"/>
-            </a:pPr>
-            <a:r>
-              <a:rPr lang="en-GB" dirty="0"/>
-              <a:t>Command - Encapsulate a command request as an object</a:t>
-            </a:r>
-          </a:p>
-          <a:p>
-            <a:pPr>
-              <a:buFont typeface="Wingdings" panose="05000000000000000000" pitchFamily="2" charset="2"/>
-              <a:buChar char="§"/>
-            </a:pPr>
-            <a:r>
-              <a:rPr lang="en-GB" dirty="0"/>
-              <a:t>Interpreter - A way to include language elements in a program</a:t>
-            </a:r>
-          </a:p>
-          <a:p>
-            <a:pPr>
-              <a:buFont typeface="Wingdings" panose="05000000000000000000" pitchFamily="2" charset="2"/>
-              <a:buChar char="§"/>
-            </a:pPr>
-            <a:r>
-              <a:rPr lang="en-GB" dirty="0"/>
-              <a:t>Iterator - Sequentially access the elements of a collection</a:t>
-            </a:r>
-          </a:p>
-          <a:p>
-            <a:pPr>
-              <a:buFont typeface="Wingdings" panose="05000000000000000000" pitchFamily="2" charset="2"/>
-              <a:buChar char="§"/>
-            </a:pPr>
-            <a:r>
-              <a:rPr lang="en-GB" dirty="0"/>
-              <a:t>Mediator - Defines simplified communication between classes</a:t>
-            </a:r>
-          </a:p>
-          <a:p>
-            <a:pPr>
-              <a:buFont typeface="Wingdings" panose="05000000000000000000" pitchFamily="2" charset="2"/>
-              <a:buChar char="§"/>
-            </a:pPr>
-            <a:r>
-              <a:rPr lang="en-GB" dirty="0"/>
-              <a:t>Memento - Capture and restore an object's internal state</a:t>
-            </a:r>
-          </a:p>
-          <a:p>
-            <a:pPr>
-              <a:buFont typeface="Wingdings" panose="05000000000000000000" pitchFamily="2" charset="2"/>
-              <a:buChar char="§"/>
-            </a:pPr>
-            <a:r>
-              <a:rPr lang="en-GB" dirty="0"/>
-              <a:t>Observer - A way of notifying change to a number of classes</a:t>
-            </a:r>
-          </a:p>
-          <a:p>
-            <a:pPr>
-              <a:buFont typeface="Wingdings" panose="05000000000000000000" pitchFamily="2" charset="2"/>
-              <a:buChar char="§"/>
-            </a:pPr>
-            <a:r>
-              <a:rPr lang="en-GB" dirty="0"/>
-              <a:t>State - Alter an object's behaviour when its state changes</a:t>
-            </a:r>
-          </a:p>
-          <a:p>
-            <a:pPr>
-              <a:buFont typeface="Wingdings" panose="05000000000000000000" pitchFamily="2" charset="2"/>
-              <a:buChar char="§"/>
-            </a:pPr>
-            <a:r>
-              <a:rPr lang="en-GB" dirty="0"/>
-              <a:t>Strategy - Encapsulates an algorithm inside a class</a:t>
-            </a:r>
-          </a:p>
-          <a:p>
-            <a:pPr>
-              <a:buFont typeface="Wingdings" panose="05000000000000000000" pitchFamily="2" charset="2"/>
-              <a:buChar char="§"/>
-            </a:pPr>
-            <a:r>
-              <a:rPr lang="en-GB" dirty="0"/>
-              <a:t>Template Method - Defer the exact steps of an algorithm to a subclass</a:t>
-            </a:r>
-          </a:p>
-          <a:p>
-            <a:pPr>
-              <a:buFont typeface="Wingdings" panose="05000000000000000000" pitchFamily="2" charset="2"/>
-              <a:buChar char="§"/>
-            </a:pPr>
-            <a:r>
-              <a:rPr lang="en-GB" dirty="0"/>
-              <a:t>Visitor - Defines a new operation to a class without change</a:t>
-            </a:r>
+            <a:r>
+              <a:rPr lang="en-GB" b="0" i="0" dirty="0">
+                <a:solidFill>
+                  <a:srgbClr val="212529"/>
+                </a:solidFill>
+                <a:effectLst/>
+                <a:latin typeface="-apple-system"/>
+              </a:rPr>
+              <a:t>attaches additional responsibilities to an object dynamically. This pattern provide a flexible alternative to subclassing for extending functionality.</a:t>
+            </a:r>
+            <a:endParaRPr lang="pl-PL" dirty="0"/>
           </a:p>
         </p:txBody>
       </p:sp>
     </p:spTree>
     <p:extLst>
       <p:ext uri="{BB962C8B-B14F-4D97-AF65-F5344CB8AC3E}">
-        <p14:creationId xmlns:p14="http://schemas.microsoft.com/office/powerpoint/2010/main" val="1543377906"/>
+        <p14:creationId xmlns:p14="http://schemas.microsoft.com/office/powerpoint/2010/main" val="2864106350"/>
       </p:ext>
     </p:extLst>
   </p:cSld>
